--- a/previous_question/4장-물가통계.pptx
+++ b/previous_question/4장-물가통계.pptx
@@ -271,7 +271,7 @@
           <a:p>
             <a:fld id="{BEFD91D8-0AEC-4011-B9A2-28CCE99346D9}" type="datetimeFigureOut">
               <a:rPr lang="ko-KR" altLang="en-US" smtClean="0"/>
-              <a:t>2021. 11. 29.</a:t>
+              <a:t>2021. 12. 1.</a:t>
             </a:fld>
             <a:endParaRPr lang="ko-KR" altLang="en-US"/>
           </a:p>
@@ -469,7 +469,7 @@
           <a:p>
             <a:fld id="{BEFD91D8-0AEC-4011-B9A2-28CCE99346D9}" type="datetimeFigureOut">
               <a:rPr lang="ko-KR" altLang="en-US" smtClean="0"/>
-              <a:t>2021. 11. 29.</a:t>
+              <a:t>2021. 12. 1.</a:t>
             </a:fld>
             <a:endParaRPr lang="ko-KR" altLang="en-US"/>
           </a:p>
@@ -677,7 +677,7 @@
           <a:p>
             <a:fld id="{BEFD91D8-0AEC-4011-B9A2-28CCE99346D9}" type="datetimeFigureOut">
               <a:rPr lang="ko-KR" altLang="en-US" smtClean="0"/>
-              <a:t>2021. 11. 29.</a:t>
+              <a:t>2021. 12. 1.</a:t>
             </a:fld>
             <a:endParaRPr lang="ko-KR" altLang="en-US"/>
           </a:p>
@@ -875,7 +875,7 @@
           <a:p>
             <a:fld id="{BEFD91D8-0AEC-4011-B9A2-28CCE99346D9}" type="datetimeFigureOut">
               <a:rPr lang="ko-KR" altLang="en-US" smtClean="0"/>
-              <a:t>2021. 11. 29.</a:t>
+              <a:t>2021. 12. 1.</a:t>
             </a:fld>
             <a:endParaRPr lang="ko-KR" altLang="en-US"/>
           </a:p>
@@ -1150,7 +1150,7 @@
           <a:p>
             <a:fld id="{BEFD91D8-0AEC-4011-B9A2-28CCE99346D9}" type="datetimeFigureOut">
               <a:rPr lang="ko-KR" altLang="en-US" smtClean="0"/>
-              <a:t>2021. 11. 29.</a:t>
+              <a:t>2021. 12. 1.</a:t>
             </a:fld>
             <a:endParaRPr lang="ko-KR" altLang="en-US"/>
           </a:p>
@@ -1415,7 +1415,7 @@
           <a:p>
             <a:fld id="{BEFD91D8-0AEC-4011-B9A2-28CCE99346D9}" type="datetimeFigureOut">
               <a:rPr lang="ko-KR" altLang="en-US" smtClean="0"/>
-              <a:t>2021. 11. 29.</a:t>
+              <a:t>2021. 12. 1.</a:t>
             </a:fld>
             <a:endParaRPr lang="ko-KR" altLang="en-US"/>
           </a:p>
@@ -1827,7 +1827,7 @@
           <a:p>
             <a:fld id="{BEFD91D8-0AEC-4011-B9A2-28CCE99346D9}" type="datetimeFigureOut">
               <a:rPr lang="ko-KR" altLang="en-US" smtClean="0"/>
-              <a:t>2021. 11. 29.</a:t>
+              <a:t>2021. 12. 1.</a:t>
             </a:fld>
             <a:endParaRPr lang="ko-KR" altLang="en-US"/>
           </a:p>
@@ -1968,7 +1968,7 @@
           <a:p>
             <a:fld id="{BEFD91D8-0AEC-4011-B9A2-28CCE99346D9}" type="datetimeFigureOut">
               <a:rPr lang="ko-KR" altLang="en-US" smtClean="0"/>
-              <a:t>2021. 11. 29.</a:t>
+              <a:t>2021. 12. 1.</a:t>
             </a:fld>
             <a:endParaRPr lang="ko-KR" altLang="en-US"/>
           </a:p>
@@ -2081,7 +2081,7 @@
           <a:p>
             <a:fld id="{BEFD91D8-0AEC-4011-B9A2-28CCE99346D9}" type="datetimeFigureOut">
               <a:rPr lang="ko-KR" altLang="en-US" smtClean="0"/>
-              <a:t>2021. 11. 29.</a:t>
+              <a:t>2021. 12. 1.</a:t>
             </a:fld>
             <a:endParaRPr lang="ko-KR" altLang="en-US"/>
           </a:p>
@@ -2392,7 +2392,7 @@
           <a:p>
             <a:fld id="{BEFD91D8-0AEC-4011-B9A2-28CCE99346D9}" type="datetimeFigureOut">
               <a:rPr lang="ko-KR" altLang="en-US" smtClean="0"/>
-              <a:t>2021. 11. 29.</a:t>
+              <a:t>2021. 12. 1.</a:t>
             </a:fld>
             <a:endParaRPr lang="ko-KR" altLang="en-US"/>
           </a:p>
@@ -2680,7 +2680,7 @@
           <a:p>
             <a:fld id="{BEFD91D8-0AEC-4011-B9A2-28CCE99346D9}" type="datetimeFigureOut">
               <a:rPr lang="ko-KR" altLang="en-US" smtClean="0"/>
-              <a:t>2021. 11. 29.</a:t>
+              <a:t>2021. 12. 1.</a:t>
             </a:fld>
             <a:endParaRPr lang="ko-KR" altLang="en-US"/>
           </a:p>
@@ -2921,7 +2921,7 @@
           <a:p>
             <a:fld id="{BEFD91D8-0AEC-4011-B9A2-28CCE99346D9}" type="datetimeFigureOut">
               <a:rPr lang="ko-KR" altLang="en-US" smtClean="0"/>
-              <a:t>2021. 11. 29.</a:t>
+              <a:t>2021. 12. 1.</a:t>
             </a:fld>
             <a:endParaRPr lang="ko-KR" altLang="en-US"/>
           </a:p>
@@ -5453,28 +5453,21 @@
                 <a:latin typeface="KoPub돋움체 Bold" panose="02020603020101020101" pitchFamily="18" charset="-127"/>
                 <a:ea typeface="KoPub돋움체 Bold" panose="02020603020101020101" pitchFamily="18" charset="-127"/>
               </a:rPr>
-              <a:t>3.1 </a:t>
+              <a:t>4.1 </a:t>
+            </a:r>
+            <a:r>
+              <a:rPr lang="ko-KR" altLang="en-US" sz="4000" dirty="0" err="1">
+                <a:latin typeface="KoPub돋움체 Bold" panose="02020603020101020101" pitchFamily="18" charset="-127"/>
+                <a:ea typeface="KoPub돋움체 Bold" panose="02020603020101020101" pitchFamily="18" charset="-127"/>
+              </a:rPr>
+              <a:t>물가통계의</a:t>
             </a:r>
             <a:r>
               <a:rPr lang="ko-KR" altLang="en-US" sz="4000" dirty="0">
                 <a:latin typeface="KoPub돋움체 Bold" panose="02020603020101020101" pitchFamily="18" charset="-127"/>
                 <a:ea typeface="KoPub돋움체 Bold" panose="02020603020101020101" pitchFamily="18" charset="-127"/>
               </a:rPr>
-              <a:t>고용</a:t>
-            </a:r>
-            <a:r>
-              <a:rPr lang="en-US" altLang="ko-KR" sz="4000" dirty="0">
-                <a:latin typeface="KoPub돋움체 Bold" panose="02020603020101020101" pitchFamily="18" charset="-127"/>
-                <a:ea typeface="KoPub돋움체 Bold" panose="02020603020101020101" pitchFamily="18" charset="-127"/>
-              </a:rPr>
-              <a:t>,</a:t>
-            </a:r>
-            <a:r>
-              <a:rPr lang="ko-KR" altLang="en-US" sz="4000" dirty="0">
-                <a:latin typeface="KoPub돋움체 Bold" panose="02020603020101020101" pitchFamily="18" charset="-127"/>
-                <a:ea typeface="KoPub돋움체 Bold" panose="02020603020101020101" pitchFamily="18" charset="-127"/>
-              </a:rPr>
-              <a:t> 임금 통계의 의미</a:t>
+              <a:t> 의의</a:t>
             </a:r>
             <a:endParaRPr lang="en-US" altLang="ko-KR" sz="4000" dirty="0">
               <a:latin typeface="KoPub돋움체 Bold" panose="02020603020101020101" pitchFamily="18" charset="-127"/>
